--- a/POSTER1.pptx
+++ b/POSTER1.pptx
@@ -4241,7 +4241,7 @@
         <p:spPr bwMode="auto">
           <a:xfrm>
             <a:off x="457200" y="4572000"/>
-            <a:ext cx="4572000" cy="12187952"/>
+            <a:ext cx="4572000" cy="11449288"/>
           </a:xfrm>
           <a:prstGeom prst="rect">
             <a:avLst/>
@@ -4275,6 +4275,8 @@
                 <a:solidFill>
                   <a:schemeClr val="bg1"/>
                 </a:solidFill>
+                <a:latin typeface="Calibri" panose="020F0502020204030204" pitchFamily="34" charset="0"/>
+                <a:cs typeface="Calibri" panose="020F0502020204030204" pitchFamily="34" charset="0"/>
               </a:rPr>
               <a:t>Recent latent semantics analysis are based on calculating the word vector distance between target and goal sentences or proposing generalized semantic hypothesis according to the original text. In this project, we explore the higher level mission on challenging one of the COPA task which is </a:t>
             </a:r>
@@ -4283,6 +4285,8 @@
                 <a:solidFill>
                   <a:schemeClr val="bg1"/>
                 </a:solidFill>
+                <a:latin typeface="Calibri" panose="020F0502020204030204" pitchFamily="34" charset="0"/>
+                <a:cs typeface="Calibri" panose="020F0502020204030204" pitchFamily="34" charset="0"/>
               </a:rPr>
               <a:t>analysing</a:t>
             </a:r>
@@ -4291,6 +4295,8 @@
                 <a:solidFill>
                   <a:schemeClr val="bg1"/>
                 </a:solidFill>
+                <a:latin typeface="Calibri" panose="020F0502020204030204" pitchFamily="34" charset="0"/>
+                <a:cs typeface="Calibri" panose="020F0502020204030204" pitchFamily="34" charset="0"/>
               </a:rPr>
               <a:t> common sense from ordinary scenario description text. We successfully boost our BERT model performance with test accuracy of 78\% among IBM research AI, BERT-</a:t>
             </a:r>
@@ -4299,6 +4305,8 @@
                 <a:solidFill>
                   <a:schemeClr val="bg1"/>
                 </a:solidFill>
+                <a:latin typeface="Calibri" panose="020F0502020204030204" pitchFamily="34" charset="0"/>
+                <a:cs typeface="Calibri" panose="020F0502020204030204" pitchFamily="34" charset="0"/>
               </a:rPr>
               <a:t>mtl</a:t>
             </a:r>
@@ -4307,6 +4315,8 @@
                 <a:solidFill>
                   <a:schemeClr val="bg1"/>
                 </a:solidFill>
+                <a:latin typeface="Calibri" panose="020F0502020204030204" pitchFamily="34" charset="0"/>
+                <a:cs typeface="Calibri" panose="020F0502020204030204" pitchFamily="34" charset="0"/>
               </a:rPr>
               <a:t> model with accuracy of 73.8\% on the </a:t>
             </a:r>
@@ -4315,6 +4325,8 @@
                 <a:solidFill>
                   <a:schemeClr val="bg1"/>
                 </a:solidFill>
+                <a:latin typeface="Calibri" panose="020F0502020204030204" pitchFamily="34" charset="0"/>
+                <a:cs typeface="Calibri" panose="020F0502020204030204" pitchFamily="34" charset="0"/>
               </a:rPr>
               <a:t>SuperGlue</a:t>
             </a:r>
@@ -4323,6 +4335,8 @@
                 <a:solidFill>
                   <a:schemeClr val="bg1"/>
                 </a:solidFill>
+                <a:latin typeface="Calibri" panose="020F0502020204030204" pitchFamily="34" charset="0"/>
+                <a:cs typeface="Calibri" panose="020F0502020204030204" pitchFamily="34" charset="0"/>
               </a:rPr>
               <a:t> leaderboard 2.0. During the enhancement of model, we conjecture that the key factors in model performance is that (1) The word embedding format. (2) The scale of our fine tuning data. (3) The configuration of BERT model Introduction. We demonstrated the potential of BERT model. Experiments shows new state-of-the-art of BERT model results on COPA without any bells and whistles.</a:t>
             </a:r>
@@ -4330,7 +4344,8 @@
               <a:solidFill>
                 <a:schemeClr val="bg1"/>
               </a:solidFill>
-              <a:latin typeface="Calibri" pitchFamily="34" charset="0"/>
+              <a:latin typeface="Calibri" panose="020F0502020204030204" pitchFamily="34" charset="0"/>
+              <a:cs typeface="Calibri" panose="020F0502020204030204" pitchFamily="34" charset="0"/>
             </a:endParaRPr>
           </a:p>
         </p:txBody>
@@ -4346,7 +4361,7 @@
         <p:spPr bwMode="auto">
           <a:xfrm>
             <a:off x="15082838" y="4572000"/>
-            <a:ext cx="8228012" cy="6401753"/>
+            <a:ext cx="8228012" cy="5447645"/>
           </a:xfrm>
           <a:prstGeom prst="rect">
             <a:avLst/>
@@ -4366,15 +4381,24 @@
           <a:lstStyle/>
           <a:p>
             <a:r>
-              <a:rPr lang="en-CA" sz="2400" dirty="0"/>
+              <a:rPr lang="en-CA" dirty="0">
+                <a:latin typeface="Calibri" panose="020F0502020204030204" pitchFamily="34" charset="0"/>
+                <a:cs typeface="Calibri" panose="020F0502020204030204" pitchFamily="34" charset="0"/>
+              </a:rPr>
               <a:t>In the BERT training process, the model receives pairs of sentences as input and learns to predict if the second sentence in the pair is the subsequent sentence in the original document. During training, 50% of the inputs are a pair in which the second sentence is the subsequent sentence in the original document, while in the other 50% a random sentence from the corpus is chosen as the second sentence. The assumption is that the random sentence will be disconnected from the first sentence.</a:t>
             </a:r>
             <a:r>
-              <a:rPr lang="en-US" sz="2400" dirty="0"/>
+              <a:rPr lang="en-US" dirty="0">
+                <a:latin typeface="Calibri" panose="020F0502020204030204" pitchFamily="34" charset="0"/>
+                <a:cs typeface="Calibri" panose="020F0502020204030204" pitchFamily="34" charset="0"/>
+              </a:rPr>
               <a:t> </a:t>
             </a:r>
             <a:r>
-              <a:rPr lang="en-CA" dirty="0"/>
+              <a:rPr lang="en-CA" dirty="0">
+                <a:latin typeface="Calibri" panose="020F0502020204030204" pitchFamily="34" charset="0"/>
+                <a:cs typeface="Calibri" panose="020F0502020204030204" pitchFamily="34" charset="0"/>
+              </a:rPr>
               <a:t>To predict if the second sentence is indeed connected to the first, the following steps are performed:</a:t>
             </a:r>
           </a:p>
@@ -4383,7 +4407,10 @@
               <a:buAutoNum type="arabicPeriod"/>
             </a:pPr>
             <a:r>
-              <a:rPr lang="en-CA" dirty="0"/>
+              <a:rPr lang="en-CA" dirty="0">
+                <a:latin typeface="Calibri" panose="020F0502020204030204" pitchFamily="34" charset="0"/>
+                <a:cs typeface="Calibri" panose="020F0502020204030204" pitchFamily="34" charset="0"/>
+              </a:rPr>
               <a:t>The entire input sequence goes through the Transformer model.</a:t>
             </a:r>
           </a:p>
@@ -4392,7 +4419,10 @@
               <a:buAutoNum type="arabicPeriod"/>
             </a:pPr>
             <a:r>
-              <a:rPr lang="en-CA" dirty="0"/>
+              <a:rPr lang="en-CA" dirty="0">
+                <a:latin typeface="Calibri" panose="020F0502020204030204" pitchFamily="34" charset="0"/>
+                <a:cs typeface="Calibri" panose="020F0502020204030204" pitchFamily="34" charset="0"/>
+              </a:rPr>
               <a:t>The output of the [CLS] token is transformed into a 2×1 shaped vector, using a simple classification layer (learned matrices of weights and biases).</a:t>
             </a:r>
           </a:p>
@@ -4401,26 +4431,40 @@
               <a:buAutoNum type="arabicPeriod"/>
             </a:pPr>
             <a:r>
-              <a:rPr lang="en-CA" dirty="0"/>
+              <a:rPr lang="en-CA" dirty="0">
+                <a:latin typeface="Calibri" panose="020F0502020204030204" pitchFamily="34" charset="0"/>
+                <a:cs typeface="Calibri" panose="020F0502020204030204" pitchFamily="34" charset="0"/>
+              </a:rPr>
               <a:t>Calculating the probability of </a:t>
             </a:r>
             <a:r>
-              <a:rPr lang="en-CA" dirty="0" err="1"/>
+              <a:rPr lang="en-CA" dirty="0" err="1">
+                <a:latin typeface="Calibri" panose="020F0502020204030204" pitchFamily="34" charset="0"/>
+                <a:cs typeface="Calibri" panose="020F0502020204030204" pitchFamily="34" charset="0"/>
+              </a:rPr>
               <a:t>IsNextSequence</a:t>
             </a:r>
             <a:r>
-              <a:rPr lang="en-CA" dirty="0"/>
+              <a:rPr lang="en-CA" dirty="0">
+                <a:latin typeface="Calibri" panose="020F0502020204030204" pitchFamily="34" charset="0"/>
+                <a:cs typeface="Calibri" panose="020F0502020204030204" pitchFamily="34" charset="0"/>
+              </a:rPr>
               <a:t> with </a:t>
             </a:r>
             <a:r>
-              <a:rPr lang="en-CA" dirty="0" err="1"/>
+              <a:rPr lang="en-CA" dirty="0" err="1">
+                <a:latin typeface="Calibri" panose="020F0502020204030204" pitchFamily="34" charset="0"/>
+                <a:cs typeface="Calibri" panose="020F0502020204030204" pitchFamily="34" charset="0"/>
+              </a:rPr>
               <a:t>softmax</a:t>
             </a:r>
             <a:r>
-              <a:rPr lang="en-CA" dirty="0"/>
+              <a:rPr lang="en-CA" dirty="0">
+                <a:latin typeface="Calibri" panose="020F0502020204030204" pitchFamily="34" charset="0"/>
+                <a:cs typeface="Calibri" panose="020F0502020204030204" pitchFamily="34" charset="0"/>
+              </a:rPr>
               <a:t>.</a:t>
             </a:r>
-            <a:endParaRPr lang="en-CA" sz="2400" dirty="0"/>
           </a:p>
         </p:txBody>
       </p:sp>
@@ -4625,7 +4669,7 @@
         <p:spPr bwMode="auto">
           <a:xfrm>
             <a:off x="9101383" y="14020800"/>
-            <a:ext cx="4844806" cy="7478970"/>
+            <a:ext cx="4844806" cy="7140416"/>
           </a:xfrm>
           <a:prstGeom prst="rect">
             <a:avLst/>
@@ -4649,7 +4693,10 @@
               <a:buChar char="•"/>
             </a:pPr>
             <a:r>
-              <a:rPr lang="en-US" dirty="0"/>
+              <a:rPr lang="en-US" dirty="0">
+                <a:latin typeface="Calibri" panose="020F0502020204030204" pitchFamily="34" charset="0"/>
+                <a:cs typeface="Calibri" panose="020F0502020204030204" pitchFamily="34" charset="0"/>
+              </a:rPr>
               <a:t>As stated before, the COPA task provides a training dataset of 400 examples and evaluation dataset of 100 examples</a:t>
             </a:r>
           </a:p>
@@ -4659,15 +4706,24 @@
               <a:buChar char="•"/>
             </a:pPr>
             <a:r>
-              <a:rPr lang="en-US" dirty="0"/>
+              <a:rPr lang="en-US" dirty="0">
+                <a:latin typeface="Calibri" panose="020F0502020204030204" pitchFamily="34" charset="0"/>
+                <a:cs typeface="Calibri" panose="020F0502020204030204" pitchFamily="34" charset="0"/>
+              </a:rPr>
               <a:t>We are generating new COPA training data by taking the </a:t>
             </a:r>
             <a:r>
-              <a:rPr lang="en-US" dirty="0" err="1"/>
+              <a:rPr lang="en-US" dirty="0" err="1">
+                <a:latin typeface="Calibri" panose="020F0502020204030204" pitchFamily="34" charset="0"/>
+                <a:cs typeface="Calibri" panose="020F0502020204030204" pitchFamily="34" charset="0"/>
+              </a:rPr>
               <a:t>MultiNLI</a:t>
             </a:r>
             <a:r>
-              <a:rPr lang="en-US" dirty="0"/>
+              <a:rPr lang="en-US" dirty="0">
+                <a:latin typeface="Calibri" panose="020F0502020204030204" pitchFamily="34" charset="0"/>
+                <a:cs typeface="Calibri" panose="020F0502020204030204" pitchFamily="34" charset="0"/>
+              </a:rPr>
               <a:t> training data</a:t>
             </a:r>
           </a:p>
@@ -4677,7 +4733,10 @@
               <a:buChar char="•"/>
             </a:pPr>
             <a:r>
-              <a:rPr lang="en-US" dirty="0"/>
+              <a:rPr lang="en-US" dirty="0">
+                <a:latin typeface="Calibri" panose="020F0502020204030204" pitchFamily="34" charset="0"/>
+                <a:cs typeface="Calibri" panose="020F0502020204030204" pitchFamily="34" charset="0"/>
+              </a:rPr>
               <a:t>We will pre-process our data similar to how we would for the Siamese LSTM model, except this time we will add [CLS] to the start of the data field, and use [SEP] to separate the premise and the possible cause &amp; effects</a:t>
             </a:r>
           </a:p>
@@ -4687,7 +4746,10 @@
               <a:buChar char="•"/>
             </a:pPr>
             <a:r>
-              <a:rPr lang="en-US" dirty="0"/>
+              <a:rPr lang="en-US" dirty="0">
+                <a:latin typeface="Calibri" panose="020F0502020204030204" pitchFamily="34" charset="0"/>
+                <a:cs typeface="Calibri" panose="020F0502020204030204" pitchFamily="34" charset="0"/>
+              </a:rPr>
               <a:t>BERT will create an contextual aware embedding vector for each word part in the two sentences.  It will also create a embedding value for the tokens [CLS] and [SEP] which is based on sentence level embedding</a:t>
             </a:r>
           </a:p>
@@ -4830,7 +4892,7 @@
         <p:spPr bwMode="auto">
           <a:xfrm>
             <a:off x="6164501" y="4511675"/>
-            <a:ext cx="7773987" cy="8833187"/>
+            <a:ext cx="7773987" cy="8156079"/>
           </a:xfrm>
           <a:prstGeom prst="rect">
             <a:avLst/>
@@ -4851,96 +4913,162 @@
           <a:p>
             <a:pPr algn="ctr"/>
             <a:r>
-              <a:rPr lang="en-CA" b="1" dirty="0"/>
+              <a:rPr lang="en-CA" b="1" dirty="0">
+                <a:latin typeface="Calibri" panose="020F0502020204030204" pitchFamily="34" charset="0"/>
+                <a:cs typeface="Calibri" panose="020F0502020204030204" pitchFamily="34" charset="0"/>
+              </a:rPr>
               <a:t>Choice of Plausible Alternatives (COPA)</a:t>
             </a:r>
           </a:p>
           <a:p>
             <a:r>
-              <a:rPr lang="en-CA" dirty="0"/>
+              <a:rPr lang="en-CA" dirty="0">
+                <a:latin typeface="Calibri" panose="020F0502020204030204" pitchFamily="34" charset="0"/>
+                <a:cs typeface="Calibri" panose="020F0502020204030204" pitchFamily="34" charset="0"/>
+              </a:rPr>
               <a:t>The Choice Of Plausible Alternatives (COPA) evaluation provides researchers with a tool for assessing progress in open-domain </a:t>
             </a:r>
             <a:r>
-              <a:rPr lang="en-CA" dirty="0" err="1"/>
+              <a:rPr lang="en-CA" dirty="0" err="1">
+                <a:latin typeface="Calibri" panose="020F0502020204030204" pitchFamily="34" charset="0"/>
+                <a:cs typeface="Calibri" panose="020F0502020204030204" pitchFamily="34" charset="0"/>
+              </a:rPr>
               <a:t>commonsense</a:t>
             </a:r>
             <a:r>
-              <a:rPr lang="en-CA" dirty="0"/>
+              <a:rPr lang="en-CA" dirty="0">
+                <a:latin typeface="Calibri" panose="020F0502020204030204" pitchFamily="34" charset="0"/>
+                <a:cs typeface="Calibri" panose="020F0502020204030204" pitchFamily="34" charset="0"/>
+              </a:rPr>
               <a:t> causal reasoning. COPA consists of 1000 questions, split equally into development and test sets of 500 questions each. Each question is composed of a premise and two alternatives, where the task is to select the alternative that more plausibly has a causal relation with the premise. The correct alternative is randomized so that the expected performance of randomly guessing is 50%.</a:t>
             </a:r>
           </a:p>
           <a:p>
-            <a:endParaRPr lang="en-CA" dirty="0"/>
+            <a:endParaRPr lang="en-CA" dirty="0">
+              <a:latin typeface="Calibri" panose="020F0502020204030204" pitchFamily="34" charset="0"/>
+              <a:cs typeface="Calibri" panose="020F0502020204030204" pitchFamily="34" charset="0"/>
+            </a:endParaRPr>
           </a:p>
           <a:p>
             <a:pPr algn="ctr"/>
             <a:r>
-              <a:rPr lang="en-US" b="1" dirty="0"/>
+              <a:rPr lang="en-US" b="1" dirty="0">
+                <a:latin typeface="Calibri" panose="020F0502020204030204" pitchFamily="34" charset="0"/>
+                <a:cs typeface="Calibri" panose="020F0502020204030204" pitchFamily="34" charset="0"/>
+              </a:rPr>
               <a:t>COPA example:</a:t>
             </a:r>
           </a:p>
           <a:p>
             <a:r>
-              <a:rPr lang="en-CA" dirty="0"/>
+              <a:rPr lang="en-CA" dirty="0">
+                <a:latin typeface="Calibri" panose="020F0502020204030204" pitchFamily="34" charset="0"/>
+                <a:cs typeface="Calibri" panose="020F0502020204030204" pitchFamily="34" charset="0"/>
+              </a:rPr>
               <a:t>Premise: The man broke his toe. What was the CAUSE of this?</a:t>
             </a:r>
             <a:br>
-              <a:rPr lang="en-CA" dirty="0"/>
+              <a:rPr lang="en-CA" dirty="0">
+                <a:latin typeface="Calibri" panose="020F0502020204030204" pitchFamily="34" charset="0"/>
+                <a:cs typeface="Calibri" panose="020F0502020204030204" pitchFamily="34" charset="0"/>
+              </a:rPr>
             </a:br>
             <a:r>
-              <a:rPr lang="en-CA" dirty="0"/>
+              <a:rPr lang="en-CA" dirty="0">
+                <a:latin typeface="Calibri" panose="020F0502020204030204" pitchFamily="34" charset="0"/>
+                <a:cs typeface="Calibri" panose="020F0502020204030204" pitchFamily="34" charset="0"/>
+              </a:rPr>
               <a:t>Alternative 1: He got a hole in his sock.</a:t>
             </a:r>
             <a:br>
-              <a:rPr lang="en-CA" dirty="0"/>
+              <a:rPr lang="en-CA" dirty="0">
+                <a:latin typeface="Calibri" panose="020F0502020204030204" pitchFamily="34" charset="0"/>
+                <a:cs typeface="Calibri" panose="020F0502020204030204" pitchFamily="34" charset="0"/>
+              </a:rPr>
             </a:br>
             <a:r>
-              <a:rPr lang="en-CA" dirty="0"/>
+              <a:rPr lang="en-CA" dirty="0">
+                <a:latin typeface="Calibri" panose="020F0502020204030204" pitchFamily="34" charset="0"/>
+                <a:cs typeface="Calibri" panose="020F0502020204030204" pitchFamily="34" charset="0"/>
+              </a:rPr>
               <a:t>Alternative 2: He dropped a hammer on his foot.</a:t>
             </a:r>
           </a:p>
           <a:p>
             <a:r>
-              <a:rPr lang="en-CA" dirty="0"/>
+              <a:rPr lang="en-CA" dirty="0">
+                <a:latin typeface="Calibri" panose="020F0502020204030204" pitchFamily="34" charset="0"/>
+                <a:cs typeface="Calibri" panose="020F0502020204030204" pitchFamily="34" charset="0"/>
+              </a:rPr>
               <a:t>Premise: I tipped the bottle. What happened as a RESULT?</a:t>
             </a:r>
             <a:br>
-              <a:rPr lang="en-CA" dirty="0"/>
+              <a:rPr lang="en-CA" dirty="0">
+                <a:latin typeface="Calibri" panose="020F0502020204030204" pitchFamily="34" charset="0"/>
+                <a:cs typeface="Calibri" panose="020F0502020204030204" pitchFamily="34" charset="0"/>
+              </a:rPr>
             </a:br>
             <a:r>
-              <a:rPr lang="en-CA" dirty="0"/>
+              <a:rPr lang="en-CA" dirty="0">
+                <a:latin typeface="Calibri" panose="020F0502020204030204" pitchFamily="34" charset="0"/>
+                <a:cs typeface="Calibri" panose="020F0502020204030204" pitchFamily="34" charset="0"/>
+              </a:rPr>
               <a:t>Alternative 1: The liquid in the bottle froze.</a:t>
             </a:r>
             <a:br>
-              <a:rPr lang="en-CA" dirty="0"/>
+              <a:rPr lang="en-CA" dirty="0">
+                <a:latin typeface="Calibri" panose="020F0502020204030204" pitchFamily="34" charset="0"/>
+                <a:cs typeface="Calibri" panose="020F0502020204030204" pitchFamily="34" charset="0"/>
+              </a:rPr>
             </a:br>
             <a:r>
-              <a:rPr lang="en-CA" dirty="0"/>
+              <a:rPr lang="en-CA" dirty="0">
+                <a:latin typeface="Calibri" panose="020F0502020204030204" pitchFamily="34" charset="0"/>
+                <a:cs typeface="Calibri" panose="020F0502020204030204" pitchFamily="34" charset="0"/>
+              </a:rPr>
               <a:t>Alternative 2: The liquid in the bottle poured out.</a:t>
             </a:r>
           </a:p>
           <a:p>
             <a:r>
-              <a:rPr lang="en-CA" dirty="0"/>
+              <a:rPr lang="en-CA" dirty="0">
+                <a:latin typeface="Calibri" panose="020F0502020204030204" pitchFamily="34" charset="0"/>
+                <a:cs typeface="Calibri" panose="020F0502020204030204" pitchFamily="34" charset="0"/>
+              </a:rPr>
               <a:t>Premise: I knocked on my neighbor's door. What happened as a RESULT?</a:t>
             </a:r>
             <a:br>
-              <a:rPr lang="en-CA" dirty="0"/>
+              <a:rPr lang="en-CA" dirty="0">
+                <a:latin typeface="Calibri" panose="020F0502020204030204" pitchFamily="34" charset="0"/>
+                <a:cs typeface="Calibri" panose="020F0502020204030204" pitchFamily="34" charset="0"/>
+              </a:rPr>
             </a:br>
             <a:r>
-              <a:rPr lang="en-CA" dirty="0"/>
+              <a:rPr lang="en-CA" dirty="0">
+                <a:latin typeface="Calibri" panose="020F0502020204030204" pitchFamily="34" charset="0"/>
+                <a:cs typeface="Calibri" panose="020F0502020204030204" pitchFamily="34" charset="0"/>
+              </a:rPr>
               <a:t>Alternative 1: My neighbor invited me in.</a:t>
             </a:r>
             <a:br>
-              <a:rPr lang="en-CA" dirty="0"/>
+              <a:rPr lang="en-CA" dirty="0">
+                <a:latin typeface="Calibri" panose="020F0502020204030204" pitchFamily="34" charset="0"/>
+                <a:cs typeface="Calibri" panose="020F0502020204030204" pitchFamily="34" charset="0"/>
+              </a:rPr>
             </a:br>
             <a:r>
-              <a:rPr lang="en-CA" dirty="0"/>
+              <a:rPr lang="en-CA" dirty="0">
+                <a:latin typeface="Calibri" panose="020F0502020204030204" pitchFamily="34" charset="0"/>
+                <a:cs typeface="Calibri" panose="020F0502020204030204" pitchFamily="34" charset="0"/>
+              </a:rPr>
               <a:t>Alternative 2: My neighbor left his house.</a:t>
             </a:r>
           </a:p>
           <a:p>
-            <a:endParaRPr lang="en-US" dirty="0"/>
+            <a:endParaRPr lang="en-US" dirty="0">
+              <a:latin typeface="Calibri" panose="020F0502020204030204" pitchFamily="34" charset="0"/>
+              <a:cs typeface="Calibri" panose="020F0502020204030204" pitchFamily="34" charset="0"/>
+            </a:endParaRPr>
           </a:p>
         </p:txBody>
       </p:sp>
@@ -5791,7 +5919,7 @@
         </p:blipFill>
         <p:spPr>
           <a:xfrm>
-            <a:off x="15151765" y="11195391"/>
+            <a:off x="15164465" y="10567956"/>
             <a:ext cx="8085394" cy="2643386"/>
           </a:xfrm>
           <a:prstGeom prst="rect">
@@ -5821,7 +5949,7 @@
         </p:blipFill>
         <p:spPr>
           <a:xfrm>
-            <a:off x="15142325" y="14059679"/>
+            <a:off x="15170579" y="13721149"/>
             <a:ext cx="8085394" cy="3377755"/>
           </a:xfrm>
           <a:prstGeom prst="rect">
@@ -5941,7 +6069,7 @@
         </p:blipFill>
         <p:spPr>
           <a:xfrm>
-            <a:off x="15078074" y="17728954"/>
+            <a:off x="15136470" y="17493674"/>
             <a:ext cx="8149645" cy="3754874"/>
           </a:xfrm>
           <a:prstGeom prst="rect">
